--- a/CEP-KC-structuralTest.pptx
+++ b/CEP-KC-structuralTest.pptx
@@ -11650,7 +11650,7 @@
             </a:pPr>
             <a:r>
               <a:rPr lang="en" sz="1200"/>
-              <a:t>SEQ</a:t>
+              <a:t>AND</a:t>
             </a:r>
             <a:endParaRPr sz="1200"/>
           </a:p>
@@ -11729,7 +11729,7 @@
             </a:pPr>
             <a:r>
               <a:rPr lang="en" sz="1200"/>
-              <a:t>SEQ</a:t>
+              <a:t>KC</a:t>
             </a:r>
             <a:endParaRPr sz="1200"/>
           </a:p>
